--- a/images/theory_analysis/Linux_BPF_Network/Linux_BPF_XDP.pptx
+++ b/images/theory_analysis/Linux_BPF_Network/Linux_BPF_XDP.pptx
@@ -5,13 +5,16 @@
     <p:sldMasterId id="2147483648" r:id="rId1"/>
   </p:sldMasterIdLst>
   <p:notesMasterIdLst>
-    <p:notesMasterId r:id="rId6"/>
+    <p:notesMasterId r:id="rId9"/>
   </p:notesMasterIdLst>
   <p:sldIdLst>
-    <p:sldId id="391" r:id="rId2"/>
-    <p:sldId id="393" r:id="rId3"/>
-    <p:sldId id="392" r:id="rId4"/>
+    <p:sldId id="396" r:id="rId2"/>
+    <p:sldId id="395" r:id="rId3"/>
+    <p:sldId id="397" r:id="rId4"/>
     <p:sldId id="394" r:id="rId5"/>
+    <p:sldId id="391" r:id="rId6"/>
+    <p:sldId id="393" r:id="rId7"/>
+    <p:sldId id="392" r:id="rId8"/>
   </p:sldIdLst>
   <p:sldSz cx="9144000" cy="5143500" type="screen16x9"/>
   <p:notesSz cx="6858000" cy="9144000"/>
@@ -4274,7 +4277,7 @@
           <a:p>
             <a:fld id="{6CD5550B-26C4-49A9-A5BA-636EF7BE6CE9}" type="datetimeFigureOut">
               <a:rPr lang="ko-KR" altLang="en-US" smtClean="0"/>
-              <a:t>2019-12-01</a:t>
+              <a:t>2021-07-03</a:t>
             </a:fld>
             <a:endParaRPr lang="ko-KR" altLang="en-US"/>
           </a:p>
@@ -4615,7 +4618,7 @@
     </p:spTree>
     <p:extLst>
       <p:ext uri="{BB962C8B-B14F-4D97-AF65-F5344CB8AC3E}">
-        <p14:creationId xmlns:p14="http://schemas.microsoft.com/office/powerpoint/2010/main" val="687484902"/>
+        <p14:creationId xmlns:p14="http://schemas.microsoft.com/office/powerpoint/2010/main" val="2601842683"/>
       </p:ext>
     </p:extLst>
   </p:cSld>
@@ -4690,7 +4693,7 @@
           <a:p>
             <a:fld id="{BA5DFA43-8D57-47FB-BC46-057616015C3B}" type="slidenum">
               <a:rPr lang="ko-KR" altLang="en-US" smtClean="0"/>
-              <a:t>2</a:t>
+              <a:t>3</a:t>
             </a:fld>
             <a:endParaRPr lang="ko-KR" altLang="en-US"/>
           </a:p>
@@ -4699,7 +4702,7 @@
     </p:spTree>
     <p:extLst>
       <p:ext uri="{BB962C8B-B14F-4D97-AF65-F5344CB8AC3E}">
-        <p14:creationId xmlns:p14="http://schemas.microsoft.com/office/powerpoint/2010/main" val="2799356998"/>
+        <p14:creationId xmlns:p14="http://schemas.microsoft.com/office/powerpoint/2010/main" val="3370672779"/>
       </p:ext>
     </p:extLst>
   </p:cSld>
@@ -4774,7 +4777,7 @@
           <a:p>
             <a:fld id="{BA5DFA43-8D57-47FB-BC46-057616015C3B}" type="slidenum">
               <a:rPr lang="ko-KR" altLang="en-US" smtClean="0"/>
-              <a:t>3</a:t>
+              <a:t>4</a:t>
             </a:fld>
             <a:endParaRPr lang="ko-KR" altLang="en-US"/>
           </a:p>
@@ -4783,7 +4786,7 @@
     </p:spTree>
     <p:extLst>
       <p:ext uri="{BB962C8B-B14F-4D97-AF65-F5344CB8AC3E}">
-        <p14:creationId xmlns:p14="http://schemas.microsoft.com/office/powerpoint/2010/main" val="926000242"/>
+        <p14:creationId xmlns:p14="http://schemas.microsoft.com/office/powerpoint/2010/main" val="2377389100"/>
       </p:ext>
     </p:extLst>
   </p:cSld>
@@ -4858,7 +4861,7 @@
           <a:p>
             <a:fld id="{BA5DFA43-8D57-47FB-BC46-057616015C3B}" type="slidenum">
               <a:rPr lang="ko-KR" altLang="en-US" smtClean="0"/>
-              <a:t>4</a:t>
+              <a:t>5</a:t>
             </a:fld>
             <a:endParaRPr lang="ko-KR" altLang="en-US"/>
           </a:p>
@@ -4867,7 +4870,175 @@
     </p:spTree>
     <p:extLst>
       <p:ext uri="{BB962C8B-B14F-4D97-AF65-F5344CB8AC3E}">
-        <p14:creationId xmlns:p14="http://schemas.microsoft.com/office/powerpoint/2010/main" val="2377389100"/>
+        <p14:creationId xmlns:p14="http://schemas.microsoft.com/office/powerpoint/2010/main" val="687484902"/>
+      </p:ext>
+    </p:extLst>
+  </p:cSld>
+  <p:clrMapOvr>
+    <a:masterClrMapping/>
+  </p:clrMapOvr>
+</p:notes>
+</file>
+
+<file path=ppt/notesSlides/notesSlide5.xml><?xml version="1.0" encoding="utf-8"?>
+<p:notes xmlns:a="http://schemas.openxmlformats.org/drawingml/2006/main" xmlns:r="http://schemas.openxmlformats.org/officeDocument/2006/relationships" xmlns:p="http://schemas.openxmlformats.org/presentationml/2006/main">
+  <p:cSld>
+    <p:spTree>
+      <p:nvGrpSpPr>
+        <p:cNvPr id="1" name=""/>
+        <p:cNvGrpSpPr/>
+        <p:nvPr/>
+      </p:nvGrpSpPr>
+      <p:grpSpPr>
+        <a:xfrm>
+          <a:off x="0" y="0"/>
+          <a:ext cx="0" cy="0"/>
+          <a:chOff x="0" y="0"/>
+          <a:chExt cx="0" cy="0"/>
+        </a:xfrm>
+      </p:grpSpPr>
+      <p:sp>
+        <p:nvSpPr>
+          <p:cNvPr id="2" name="슬라이드 이미지 개체 틀 1"/>
+          <p:cNvSpPr>
+            <a:spLocks noGrp="1" noRot="1" noChangeAspect="1"/>
+          </p:cNvSpPr>
+          <p:nvPr>
+            <p:ph type="sldImg"/>
+          </p:nvPr>
+        </p:nvSpPr>
+        <p:spPr/>
+      </p:sp>
+      <p:sp>
+        <p:nvSpPr>
+          <p:cNvPr id="3" name="슬라이드 노트 개체 틀 2"/>
+          <p:cNvSpPr>
+            <a:spLocks noGrp="1"/>
+          </p:cNvSpPr>
+          <p:nvPr>
+            <p:ph type="body" idx="1"/>
+          </p:nvPr>
+        </p:nvSpPr>
+        <p:spPr/>
+        <p:txBody>
+          <a:bodyPr/>
+          <a:lstStyle/>
+          <a:p>
+            <a:endParaRPr lang="ko-KR" altLang="en-US"/>
+          </a:p>
+        </p:txBody>
+      </p:sp>
+      <p:sp>
+        <p:nvSpPr>
+          <p:cNvPr id="4" name="슬라이드 번호 개체 틀 3"/>
+          <p:cNvSpPr>
+            <a:spLocks noGrp="1"/>
+          </p:cNvSpPr>
+          <p:nvPr>
+            <p:ph type="sldNum" sz="quarter" idx="10"/>
+          </p:nvPr>
+        </p:nvSpPr>
+        <p:spPr/>
+        <p:txBody>
+          <a:bodyPr/>
+          <a:lstStyle/>
+          <a:p>
+            <a:fld id="{BA5DFA43-8D57-47FB-BC46-057616015C3B}" type="slidenum">
+              <a:rPr lang="ko-KR" altLang="en-US" smtClean="0"/>
+              <a:t>6</a:t>
+            </a:fld>
+            <a:endParaRPr lang="ko-KR" altLang="en-US"/>
+          </a:p>
+        </p:txBody>
+      </p:sp>
+    </p:spTree>
+    <p:extLst>
+      <p:ext uri="{BB962C8B-B14F-4D97-AF65-F5344CB8AC3E}">
+        <p14:creationId xmlns:p14="http://schemas.microsoft.com/office/powerpoint/2010/main" val="2799356998"/>
+      </p:ext>
+    </p:extLst>
+  </p:cSld>
+  <p:clrMapOvr>
+    <a:masterClrMapping/>
+  </p:clrMapOvr>
+</p:notes>
+</file>
+
+<file path=ppt/notesSlides/notesSlide6.xml><?xml version="1.0" encoding="utf-8"?>
+<p:notes xmlns:a="http://schemas.openxmlformats.org/drawingml/2006/main" xmlns:r="http://schemas.openxmlformats.org/officeDocument/2006/relationships" xmlns:p="http://schemas.openxmlformats.org/presentationml/2006/main">
+  <p:cSld>
+    <p:spTree>
+      <p:nvGrpSpPr>
+        <p:cNvPr id="1" name=""/>
+        <p:cNvGrpSpPr/>
+        <p:nvPr/>
+      </p:nvGrpSpPr>
+      <p:grpSpPr>
+        <a:xfrm>
+          <a:off x="0" y="0"/>
+          <a:ext cx="0" cy="0"/>
+          <a:chOff x="0" y="0"/>
+          <a:chExt cx="0" cy="0"/>
+        </a:xfrm>
+      </p:grpSpPr>
+      <p:sp>
+        <p:nvSpPr>
+          <p:cNvPr id="2" name="슬라이드 이미지 개체 틀 1"/>
+          <p:cNvSpPr>
+            <a:spLocks noGrp="1" noRot="1" noChangeAspect="1"/>
+          </p:cNvSpPr>
+          <p:nvPr>
+            <p:ph type="sldImg"/>
+          </p:nvPr>
+        </p:nvSpPr>
+        <p:spPr/>
+      </p:sp>
+      <p:sp>
+        <p:nvSpPr>
+          <p:cNvPr id="3" name="슬라이드 노트 개체 틀 2"/>
+          <p:cNvSpPr>
+            <a:spLocks noGrp="1"/>
+          </p:cNvSpPr>
+          <p:nvPr>
+            <p:ph type="body" idx="1"/>
+          </p:nvPr>
+        </p:nvSpPr>
+        <p:spPr/>
+        <p:txBody>
+          <a:bodyPr/>
+          <a:lstStyle/>
+          <a:p>
+            <a:endParaRPr lang="ko-KR" altLang="en-US"/>
+          </a:p>
+        </p:txBody>
+      </p:sp>
+      <p:sp>
+        <p:nvSpPr>
+          <p:cNvPr id="4" name="슬라이드 번호 개체 틀 3"/>
+          <p:cNvSpPr>
+            <a:spLocks noGrp="1"/>
+          </p:cNvSpPr>
+          <p:nvPr>
+            <p:ph type="sldNum" sz="quarter" idx="10"/>
+          </p:nvPr>
+        </p:nvSpPr>
+        <p:spPr/>
+        <p:txBody>
+          <a:bodyPr/>
+          <a:lstStyle/>
+          <a:p>
+            <a:fld id="{BA5DFA43-8D57-47FB-BC46-057616015C3B}" type="slidenum">
+              <a:rPr lang="ko-KR" altLang="en-US" smtClean="0"/>
+              <a:t>7</a:t>
+            </a:fld>
+            <a:endParaRPr lang="ko-KR" altLang="en-US"/>
+          </a:p>
+        </p:txBody>
+      </p:sp>
+    </p:spTree>
+    <p:extLst>
+      <p:ext uri="{BB962C8B-B14F-4D97-AF65-F5344CB8AC3E}">
+        <p14:creationId xmlns:p14="http://schemas.microsoft.com/office/powerpoint/2010/main" val="926000242"/>
       </p:ext>
     </p:extLst>
   </p:cSld>
@@ -5056,7 +5227,7 @@
           <a:p>
             <a:fld id="{FB30EDBD-1C2D-4C1E-B459-B60219FAB484}" type="datetimeFigureOut">
               <a:rPr lang="ko-KR" altLang="en-US" smtClean="0"/>
-              <a:t>2019-12-01</a:t>
+              <a:t>2021-07-03</a:t>
             </a:fld>
             <a:endParaRPr lang="ko-KR" altLang="en-US"/>
           </a:p>
@@ -5219,7 +5390,7 @@
           <a:p>
             <a:fld id="{FB30EDBD-1C2D-4C1E-B459-B60219FAB484}" type="datetimeFigureOut">
               <a:rPr lang="ko-KR" altLang="en-US" smtClean="0"/>
-              <a:t>2019-12-01</a:t>
+              <a:t>2021-07-03</a:t>
             </a:fld>
             <a:endParaRPr lang="ko-KR" altLang="en-US"/>
           </a:p>
@@ -5392,7 +5563,7 @@
           <a:p>
             <a:fld id="{FB30EDBD-1C2D-4C1E-B459-B60219FAB484}" type="datetimeFigureOut">
               <a:rPr lang="ko-KR" altLang="en-US" smtClean="0"/>
-              <a:t>2019-12-01</a:t>
+              <a:t>2021-07-03</a:t>
             </a:fld>
             <a:endParaRPr lang="ko-KR" altLang="en-US"/>
           </a:p>
@@ -5555,7 +5726,7 @@
           <a:p>
             <a:fld id="{FB30EDBD-1C2D-4C1E-B459-B60219FAB484}" type="datetimeFigureOut">
               <a:rPr lang="ko-KR" altLang="en-US" smtClean="0"/>
-              <a:t>2019-12-01</a:t>
+              <a:t>2021-07-03</a:t>
             </a:fld>
             <a:endParaRPr lang="ko-KR" altLang="en-US"/>
           </a:p>
@@ -5795,7 +5966,7 @@
           <a:p>
             <a:fld id="{FB30EDBD-1C2D-4C1E-B459-B60219FAB484}" type="datetimeFigureOut">
               <a:rPr lang="ko-KR" altLang="en-US" smtClean="0"/>
-              <a:t>2019-12-01</a:t>
+              <a:t>2021-07-03</a:t>
             </a:fld>
             <a:endParaRPr lang="ko-KR" altLang="en-US"/>
           </a:p>
@@ -6075,7 +6246,7 @@
           <a:p>
             <a:fld id="{FB30EDBD-1C2D-4C1E-B459-B60219FAB484}" type="datetimeFigureOut">
               <a:rPr lang="ko-KR" altLang="en-US" smtClean="0"/>
-              <a:t>2019-12-01</a:t>
+              <a:t>2021-07-03</a:t>
             </a:fld>
             <a:endParaRPr lang="ko-KR" altLang="en-US"/>
           </a:p>
@@ -6489,7 +6660,7 @@
           <a:p>
             <a:fld id="{FB30EDBD-1C2D-4C1E-B459-B60219FAB484}" type="datetimeFigureOut">
               <a:rPr lang="ko-KR" altLang="en-US" smtClean="0"/>
-              <a:t>2019-12-01</a:t>
+              <a:t>2021-07-03</a:t>
             </a:fld>
             <a:endParaRPr lang="ko-KR" altLang="en-US"/>
           </a:p>
@@ -6601,7 +6772,7 @@
           <a:p>
             <a:fld id="{FB30EDBD-1C2D-4C1E-B459-B60219FAB484}" type="datetimeFigureOut">
               <a:rPr lang="ko-KR" altLang="en-US" smtClean="0"/>
-              <a:t>2019-12-01</a:t>
+              <a:t>2021-07-03</a:t>
             </a:fld>
             <a:endParaRPr lang="ko-KR" altLang="en-US"/>
           </a:p>
@@ -6691,7 +6862,7 @@
           <a:p>
             <a:fld id="{FB30EDBD-1C2D-4C1E-B459-B60219FAB484}" type="datetimeFigureOut">
               <a:rPr lang="ko-KR" altLang="en-US" smtClean="0"/>
-              <a:t>2019-12-01</a:t>
+              <a:t>2021-07-03</a:t>
             </a:fld>
             <a:endParaRPr lang="ko-KR" altLang="en-US"/>
           </a:p>
@@ -6961,7 +7132,7 @@
           <a:p>
             <a:fld id="{FB30EDBD-1C2D-4C1E-B459-B60219FAB484}" type="datetimeFigureOut">
               <a:rPr lang="ko-KR" altLang="en-US" smtClean="0"/>
-              <a:t>2019-12-01</a:t>
+              <a:t>2021-07-03</a:t>
             </a:fld>
             <a:endParaRPr lang="ko-KR" altLang="en-US"/>
           </a:p>
@@ -7208,7 +7379,7 @@
           <a:p>
             <a:fld id="{FB30EDBD-1C2D-4C1E-B459-B60219FAB484}" type="datetimeFigureOut">
               <a:rPr lang="ko-KR" altLang="en-US" smtClean="0"/>
-              <a:t>2019-12-01</a:t>
+              <a:t>2021-07-03</a:t>
             </a:fld>
             <a:endParaRPr lang="ko-KR" altLang="en-US"/>
           </a:p>
@@ -7414,7 +7585,7 @@
           <a:p>
             <a:fld id="{FB30EDBD-1C2D-4C1E-B459-B60219FAB484}" type="datetimeFigureOut">
               <a:rPr lang="ko-KR" altLang="en-US" smtClean="0"/>
-              <a:t>2019-12-01</a:t>
+              <a:t>2021-07-03</a:t>
             </a:fld>
             <a:endParaRPr lang="ko-KR" altLang="en-US"/>
           </a:p>
@@ -7796,6 +7967,1553 @@
         </p:nvSpPr>
         <p:spPr>
           <a:xfrm>
+            <a:off x="457200" y="-834989"/>
+            <a:ext cx="8229600" cy="857250"/>
+          </a:xfrm>
+        </p:spPr>
+        <p:txBody>
+          <a:bodyPr>
+            <a:normAutofit/>
+          </a:bodyPr>
+          <a:lstStyle/>
+          <a:p>
+            <a:r>
+              <a:rPr lang="en-US" altLang="ko-KR"/>
+              <a:t>Network Type</a:t>
+            </a:r>
+            <a:endParaRPr lang="ko-KR" altLang="en-US"/>
+          </a:p>
+        </p:txBody>
+      </p:sp>
+      <p:sp>
+        <p:nvSpPr>
+          <p:cNvPr id="60" name="사각형: 둥근 모서리 59">
+            <a:extLst>
+              <a:ext uri="{FF2B5EF4-FFF2-40B4-BE49-F238E27FC236}">
+                <a16:creationId xmlns:a16="http://schemas.microsoft.com/office/drawing/2014/main" id="{46820E35-7710-49B8-ACE2-DBC3072899CA}"/>
+              </a:ext>
+            </a:extLst>
+          </p:cNvPr>
+          <p:cNvSpPr/>
+          <p:nvPr/>
+        </p:nvSpPr>
+        <p:spPr>
+          <a:xfrm>
+            <a:off x="2555777" y="4216044"/>
+            <a:ext cx="4045074" cy="421181"/>
+          </a:xfrm>
+          <a:prstGeom prst="roundRect">
+            <a:avLst>
+              <a:gd name="adj" fmla="val 0"/>
+            </a:avLst>
+          </a:prstGeom>
+        </p:spPr>
+        <p:style>
+          <a:lnRef idx="2">
+            <a:schemeClr val="dk1"/>
+          </a:lnRef>
+          <a:fillRef idx="1">
+            <a:schemeClr val="lt1"/>
+          </a:fillRef>
+          <a:effectRef idx="0">
+            <a:schemeClr val="dk1"/>
+          </a:effectRef>
+          <a:fontRef idx="minor">
+            <a:schemeClr val="dk1"/>
+          </a:fontRef>
+        </p:style>
+        <p:txBody>
+          <a:bodyPr rtlCol="0" anchor="ctr"/>
+          <a:lstStyle/>
+          <a:p>
+            <a:pPr algn="ctr"/>
+            <a:r>
+              <a:rPr lang="en-US" altLang="ko-KR" sz="1200"/>
+              <a:t>Device Driver</a:t>
+            </a:r>
+          </a:p>
+          <a:p>
+            <a:pPr algn="ctr"/>
+            <a:r>
+              <a:rPr lang="en-US" altLang="ko-KR" sz="1200" b="1"/>
+              <a:t>BPF_PROG_TYPE_XDP (Native XDP, eBPF)</a:t>
+            </a:r>
+            <a:endParaRPr lang="en-US" altLang="ko-KR" sz="1100" b="1"/>
+          </a:p>
+        </p:txBody>
+      </p:sp>
+      <p:sp>
+        <p:nvSpPr>
+          <p:cNvPr id="68" name="사각형: 둥근 모서리 67">
+            <a:extLst>
+              <a:ext uri="{FF2B5EF4-FFF2-40B4-BE49-F238E27FC236}">
+                <a16:creationId xmlns:a16="http://schemas.microsoft.com/office/drawing/2014/main" id="{0CCE84A5-B9E1-4FCA-A7F5-14E006C8BA92}"/>
+              </a:ext>
+            </a:extLst>
+          </p:cNvPr>
+          <p:cNvSpPr/>
+          <p:nvPr/>
+        </p:nvSpPr>
+        <p:spPr>
+          <a:xfrm>
+            <a:off x="2555777" y="2953124"/>
+            <a:ext cx="4045074" cy="310790"/>
+          </a:xfrm>
+          <a:prstGeom prst="roundRect">
+            <a:avLst>
+              <a:gd name="adj" fmla="val 0"/>
+            </a:avLst>
+          </a:prstGeom>
+        </p:spPr>
+        <p:style>
+          <a:lnRef idx="2">
+            <a:schemeClr val="dk1"/>
+          </a:lnRef>
+          <a:fillRef idx="1">
+            <a:schemeClr val="lt1"/>
+          </a:fillRef>
+          <a:effectRef idx="0">
+            <a:schemeClr val="dk1"/>
+          </a:effectRef>
+          <a:fontRef idx="minor">
+            <a:schemeClr val="dk1"/>
+          </a:fontRef>
+        </p:style>
+        <p:txBody>
+          <a:bodyPr rtlCol="0" anchor="ctr"/>
+          <a:lstStyle/>
+          <a:p>
+            <a:pPr algn="ctr"/>
+            <a:r>
+              <a:rPr lang="en-US" altLang="ko-KR" sz="1200"/>
+              <a:t>Netfilter</a:t>
+            </a:r>
+            <a:endParaRPr lang="ko-KR" altLang="en-US" sz="1200"/>
+          </a:p>
+        </p:txBody>
+      </p:sp>
+      <p:sp>
+        <p:nvSpPr>
+          <p:cNvPr id="69" name="사각형: 둥근 모서리 68">
+            <a:extLst>
+              <a:ext uri="{FF2B5EF4-FFF2-40B4-BE49-F238E27FC236}">
+                <a16:creationId xmlns:a16="http://schemas.microsoft.com/office/drawing/2014/main" id="{39A049EA-21D3-4DC4-845B-2E646ACB0077}"/>
+              </a:ext>
+            </a:extLst>
+          </p:cNvPr>
+          <p:cNvSpPr/>
+          <p:nvPr/>
+        </p:nvSpPr>
+        <p:spPr>
+          <a:xfrm>
+            <a:off x="2555777" y="3256935"/>
+            <a:ext cx="4045074" cy="648319"/>
+          </a:xfrm>
+          <a:prstGeom prst="roundRect">
+            <a:avLst>
+              <a:gd name="adj" fmla="val 0"/>
+            </a:avLst>
+          </a:prstGeom>
+        </p:spPr>
+        <p:style>
+          <a:lnRef idx="2">
+            <a:schemeClr val="dk1"/>
+          </a:lnRef>
+          <a:fillRef idx="1">
+            <a:schemeClr val="lt1"/>
+          </a:fillRef>
+          <a:effectRef idx="0">
+            <a:schemeClr val="dk1"/>
+          </a:effectRef>
+          <a:fontRef idx="minor">
+            <a:schemeClr val="dk1"/>
+          </a:fontRef>
+        </p:style>
+        <p:txBody>
+          <a:bodyPr rtlCol="0" anchor="ctr"/>
+          <a:lstStyle/>
+          <a:p>
+            <a:pPr algn="ctr"/>
+            <a:r>
+              <a:rPr lang="en-US" altLang="ko-KR" sz="1200"/>
+              <a:t>TC (Traffic Control)</a:t>
+            </a:r>
+            <a:endParaRPr lang="en-US" altLang="ko-KR" sz="1200" b="1"/>
+          </a:p>
+          <a:p>
+            <a:pPr algn="ctr"/>
+            <a:r>
+              <a:rPr lang="en-US" altLang="ko-KR" sz="1200" b="1"/>
+              <a:t>BPF_PROG_TYPE_SCHED_CLS (cBPF, eBPF)</a:t>
+            </a:r>
+          </a:p>
+          <a:p>
+            <a:pPr algn="ctr"/>
+            <a:r>
+              <a:rPr lang="en-US" altLang="ko-KR" sz="1200" b="1"/>
+              <a:t>BPF_PROG_TYPE_SCHED_ACT (cBPF, eBPF)</a:t>
+            </a:r>
+          </a:p>
+        </p:txBody>
+      </p:sp>
+      <p:sp>
+        <p:nvSpPr>
+          <p:cNvPr id="73" name="사각형: 둥근 모서리 72">
+            <a:extLst>
+              <a:ext uri="{FF2B5EF4-FFF2-40B4-BE49-F238E27FC236}">
+                <a16:creationId xmlns:a16="http://schemas.microsoft.com/office/drawing/2014/main" id="{A6123B42-F901-4578-9220-855D1680F818}"/>
+              </a:ext>
+            </a:extLst>
+          </p:cNvPr>
+          <p:cNvSpPr/>
+          <p:nvPr/>
+        </p:nvSpPr>
+        <p:spPr>
+          <a:xfrm>
+            <a:off x="2555776" y="663601"/>
+            <a:ext cx="4045074" cy="2289522"/>
+          </a:xfrm>
+          <a:prstGeom prst="roundRect">
+            <a:avLst>
+              <a:gd name="adj" fmla="val 0"/>
+            </a:avLst>
+          </a:prstGeom>
+        </p:spPr>
+        <p:style>
+          <a:lnRef idx="2">
+            <a:schemeClr val="dk1"/>
+          </a:lnRef>
+          <a:fillRef idx="1">
+            <a:schemeClr val="lt1"/>
+          </a:fillRef>
+          <a:effectRef idx="0">
+            <a:schemeClr val="dk1"/>
+          </a:effectRef>
+          <a:fontRef idx="minor">
+            <a:schemeClr val="dk1"/>
+          </a:fontRef>
+        </p:style>
+        <p:txBody>
+          <a:bodyPr rtlCol="0" anchor="ctr"/>
+          <a:lstStyle/>
+          <a:p>
+            <a:pPr algn="ctr"/>
+            <a:r>
+              <a:rPr lang="en-US" altLang="ko-KR" sz="1200"/>
+              <a:t>Socket</a:t>
+            </a:r>
+          </a:p>
+          <a:p>
+            <a:pPr algn="ctr"/>
+            <a:r>
+              <a:rPr lang="en-US" altLang="ko-KR" sz="1200" b="1"/>
+              <a:t>BPF_PROG_TYPE_SOCKET_FILTER (cBPF, eBPF)</a:t>
+            </a:r>
+          </a:p>
+          <a:p>
+            <a:pPr algn="ctr"/>
+            <a:r>
+              <a:rPr lang="da-DK" altLang="ko-KR" sz="1200" b="1"/>
+              <a:t>BPF_PROG_TYPE_SOCK_OPS (eBPF)</a:t>
+            </a:r>
+          </a:p>
+          <a:p>
+            <a:pPr algn="ctr"/>
+            <a:r>
+              <a:rPr lang="da-DK" altLang="ko-KR" sz="1200" b="1"/>
+              <a:t>BPF_PROG_TYPE_SK_SKB (eBPF)</a:t>
+            </a:r>
+          </a:p>
+          <a:p>
+            <a:pPr algn="ctr"/>
+            <a:r>
+              <a:rPr lang="da-DK" altLang="ko-KR" sz="1200" b="1"/>
+              <a:t>BPF_PROG_TYPE_SK_MSG (eBPF)</a:t>
+            </a:r>
+          </a:p>
+          <a:p>
+            <a:pPr algn="ctr"/>
+            <a:r>
+              <a:rPr lang="da-DK" altLang="ko-KR" sz="1200" b="1"/>
+              <a:t>BPF_PROG_TYPE_SK_REUSEPORT (eBPF)</a:t>
+            </a:r>
+          </a:p>
+          <a:p>
+            <a:pPr algn="ctr"/>
+            <a:r>
+              <a:rPr lang="da-DK" altLang="ko-KR" sz="1200" b="1"/>
+              <a:t>BPF_PROG_TYPE_SK_LOOKUP (eBPF)</a:t>
+            </a:r>
+          </a:p>
+          <a:p>
+            <a:pPr algn="ctr"/>
+            <a:endParaRPr lang="da-DK" altLang="ko-KR" sz="1200" b="1"/>
+          </a:p>
+          <a:p>
+            <a:pPr algn="ctr"/>
+            <a:r>
+              <a:rPr lang="da-DK" altLang="ko-KR" sz="1200" b="1"/>
+              <a:t>BPF_PROG_TYPE_CGROUP_SKB (eBPF)</a:t>
+            </a:r>
+          </a:p>
+          <a:p>
+            <a:pPr algn="ctr"/>
+            <a:r>
+              <a:rPr lang="da-DK" altLang="ko-KR" sz="1200" b="1"/>
+              <a:t>BPF_PROG_TYPE_CGROUP_SOCK (eBPF)</a:t>
+            </a:r>
+          </a:p>
+          <a:p>
+            <a:pPr algn="ctr"/>
+            <a:r>
+              <a:rPr lang="da-DK" altLang="ko-KR" sz="1200" b="1"/>
+              <a:t>BPF_PROG_TYPE_CGROUP_SOCK_ADDR (eBPF)</a:t>
+            </a:r>
+          </a:p>
+          <a:p>
+            <a:pPr algn="ctr"/>
+            <a:r>
+              <a:rPr lang="da-DK" altLang="ko-KR" sz="1200" b="1"/>
+              <a:t>BPF_PROG_TYPE_CGROUP_SOCKOPT (eBPF)</a:t>
+            </a:r>
+          </a:p>
+        </p:txBody>
+      </p:sp>
+      <p:sp>
+        <p:nvSpPr>
+          <p:cNvPr id="75" name="사각형: 둥근 모서리 74">
+            <a:extLst>
+              <a:ext uri="{FF2B5EF4-FFF2-40B4-BE49-F238E27FC236}">
+                <a16:creationId xmlns:a16="http://schemas.microsoft.com/office/drawing/2014/main" id="{FC50A881-8856-4345-B35B-B630E744E42A}"/>
+              </a:ext>
+            </a:extLst>
+          </p:cNvPr>
+          <p:cNvSpPr/>
+          <p:nvPr/>
+        </p:nvSpPr>
+        <p:spPr>
+          <a:xfrm>
+            <a:off x="2555776" y="367300"/>
+            <a:ext cx="4045074" cy="310790"/>
+          </a:xfrm>
+          <a:prstGeom prst="roundRect">
+            <a:avLst>
+              <a:gd name="adj" fmla="val 0"/>
+            </a:avLst>
+          </a:prstGeom>
+        </p:spPr>
+        <p:style>
+          <a:lnRef idx="2">
+            <a:schemeClr val="dk1"/>
+          </a:lnRef>
+          <a:fillRef idx="1">
+            <a:schemeClr val="lt1"/>
+          </a:fillRef>
+          <a:effectRef idx="0">
+            <a:schemeClr val="dk1"/>
+          </a:effectRef>
+          <a:fontRef idx="minor">
+            <a:schemeClr val="dk1"/>
+          </a:fontRef>
+        </p:style>
+        <p:txBody>
+          <a:bodyPr rtlCol="0" anchor="ctr"/>
+          <a:lstStyle/>
+          <a:p>
+            <a:pPr algn="ctr"/>
+            <a:r>
+              <a:rPr lang="en-US" altLang="ko-KR" sz="1200"/>
+              <a:t>Application</a:t>
+            </a:r>
+            <a:endParaRPr lang="ko-KR" altLang="en-US" sz="1200"/>
+          </a:p>
+        </p:txBody>
+      </p:sp>
+      <p:sp>
+        <p:nvSpPr>
+          <p:cNvPr id="10" name="사각형: 둥근 모서리 9">
+            <a:extLst>
+              <a:ext uri="{FF2B5EF4-FFF2-40B4-BE49-F238E27FC236}">
+                <a16:creationId xmlns:a16="http://schemas.microsoft.com/office/drawing/2014/main" id="{0BB6EB18-D3BD-4313-87BF-55A0EAC2FEDF}"/>
+              </a:ext>
+            </a:extLst>
+          </p:cNvPr>
+          <p:cNvSpPr/>
+          <p:nvPr/>
+        </p:nvSpPr>
+        <p:spPr>
+          <a:xfrm>
+            <a:off x="2555777" y="4637224"/>
+            <a:ext cx="4045074" cy="310790"/>
+          </a:xfrm>
+          <a:prstGeom prst="roundRect">
+            <a:avLst>
+              <a:gd name="adj" fmla="val 0"/>
+            </a:avLst>
+          </a:prstGeom>
+        </p:spPr>
+        <p:style>
+          <a:lnRef idx="2">
+            <a:schemeClr val="dk1"/>
+          </a:lnRef>
+          <a:fillRef idx="1">
+            <a:schemeClr val="lt1"/>
+          </a:fillRef>
+          <a:effectRef idx="0">
+            <a:schemeClr val="dk1"/>
+          </a:effectRef>
+          <a:fontRef idx="minor">
+            <a:schemeClr val="dk1"/>
+          </a:fontRef>
+        </p:style>
+        <p:txBody>
+          <a:bodyPr rtlCol="0" anchor="ctr"/>
+          <a:lstStyle/>
+          <a:p>
+            <a:pPr algn="ctr"/>
+            <a:r>
+              <a:rPr lang="en-US" altLang="ko-KR" sz="1200"/>
+              <a:t>Network Device</a:t>
+            </a:r>
+            <a:endParaRPr lang="ko-KR" altLang="en-US" sz="1200"/>
+          </a:p>
+        </p:txBody>
+      </p:sp>
+      <p:sp>
+        <p:nvSpPr>
+          <p:cNvPr id="11" name="사각형: 둥근 모서리 10">
+            <a:extLst>
+              <a:ext uri="{FF2B5EF4-FFF2-40B4-BE49-F238E27FC236}">
+                <a16:creationId xmlns:a16="http://schemas.microsoft.com/office/drawing/2014/main" id="{4C91BF75-682A-4A78-B36D-8F6D4A15993D}"/>
+              </a:ext>
+            </a:extLst>
+          </p:cNvPr>
+          <p:cNvSpPr/>
+          <p:nvPr/>
+        </p:nvSpPr>
+        <p:spPr>
+          <a:xfrm>
+            <a:off x="2555777" y="3905254"/>
+            <a:ext cx="4045074" cy="310790"/>
+          </a:xfrm>
+          <a:prstGeom prst="roundRect">
+            <a:avLst>
+              <a:gd name="adj" fmla="val 0"/>
+            </a:avLst>
+          </a:prstGeom>
+        </p:spPr>
+        <p:style>
+          <a:lnRef idx="2">
+            <a:schemeClr val="dk1"/>
+          </a:lnRef>
+          <a:fillRef idx="1">
+            <a:schemeClr val="lt1"/>
+          </a:fillRef>
+          <a:effectRef idx="0">
+            <a:schemeClr val="dk1"/>
+          </a:effectRef>
+          <a:fontRef idx="minor">
+            <a:schemeClr val="dk1"/>
+          </a:fontRef>
+        </p:style>
+        <p:txBody>
+          <a:bodyPr rtlCol="0" anchor="ctr"/>
+          <a:lstStyle/>
+          <a:p>
+            <a:pPr algn="ctr"/>
+            <a:r>
+              <a:rPr lang="en-US" altLang="ko-KR" sz="1200" b="1"/>
+              <a:t>BPF_PROG_TYPE_XDP (Generic XDP, eBPF)</a:t>
+            </a:r>
+            <a:endParaRPr lang="ko-KR" altLang="en-US" sz="1200" b="1"/>
+          </a:p>
+        </p:txBody>
+      </p:sp>
+    </p:spTree>
+    <p:extLst>
+      <p:ext uri="{BB962C8B-B14F-4D97-AF65-F5344CB8AC3E}">
+        <p14:creationId xmlns:p14="http://schemas.microsoft.com/office/powerpoint/2010/main" val="3242955483"/>
+      </p:ext>
+    </p:extLst>
+  </p:cSld>
+  <p:clrMapOvr>
+    <a:masterClrMapping/>
+  </p:clrMapOvr>
+</p:sld>
+</file>
+
+<file path=ppt/slides/slide2.xml><?xml version="1.0" encoding="utf-8"?>
+<p:sld xmlns:a="http://schemas.openxmlformats.org/drawingml/2006/main" xmlns:r="http://schemas.openxmlformats.org/officeDocument/2006/relationships" xmlns:p="http://schemas.openxmlformats.org/presentationml/2006/main">
+  <p:cSld>
+    <p:spTree>
+      <p:nvGrpSpPr>
+        <p:cNvPr id="1" name=""/>
+        <p:cNvGrpSpPr/>
+        <p:nvPr/>
+      </p:nvGrpSpPr>
+      <p:grpSpPr>
+        <a:xfrm>
+          <a:off x="0" y="0"/>
+          <a:ext cx="0" cy="0"/>
+          <a:chOff x="0" y="0"/>
+          <a:chExt cx="0" cy="0"/>
+        </a:xfrm>
+      </p:grpSpPr>
+    </p:spTree>
+    <p:extLst>
+      <p:ext uri="{BB962C8B-B14F-4D97-AF65-F5344CB8AC3E}">
+        <p14:creationId xmlns:p14="http://schemas.microsoft.com/office/powerpoint/2010/main" val="3836043978"/>
+      </p:ext>
+    </p:extLst>
+  </p:cSld>
+  <p:clrMapOvr>
+    <a:masterClrMapping/>
+  </p:clrMapOvr>
+</p:sld>
+</file>
+
+<file path=ppt/slides/slide3.xml><?xml version="1.0" encoding="utf-8"?>
+<p:sld xmlns:a="http://schemas.openxmlformats.org/drawingml/2006/main" xmlns:r="http://schemas.openxmlformats.org/officeDocument/2006/relationships" xmlns:p="http://schemas.openxmlformats.org/presentationml/2006/main">
+  <p:cSld>
+    <p:spTree>
+      <p:nvGrpSpPr>
+        <p:cNvPr id="1" name=""/>
+        <p:cNvGrpSpPr/>
+        <p:nvPr/>
+      </p:nvGrpSpPr>
+      <p:grpSpPr>
+        <a:xfrm>
+          <a:off x="0" y="0"/>
+          <a:ext cx="0" cy="0"/>
+          <a:chOff x="0" y="0"/>
+          <a:chExt cx="0" cy="0"/>
+        </a:xfrm>
+      </p:grpSpPr>
+      <p:sp>
+        <p:nvSpPr>
+          <p:cNvPr id="6" name="제목 1"/>
+          <p:cNvSpPr>
+            <a:spLocks noGrp="1"/>
+          </p:cNvSpPr>
+          <p:nvPr>
+            <p:ph type="title"/>
+          </p:nvPr>
+        </p:nvSpPr>
+        <p:spPr>
+          <a:xfrm>
+            <a:off x="457200" y="-834989"/>
+            <a:ext cx="8229600" cy="857250"/>
+          </a:xfrm>
+        </p:spPr>
+        <p:txBody>
+          <a:bodyPr>
+            <a:normAutofit/>
+          </a:bodyPr>
+          <a:lstStyle/>
+          <a:p>
+            <a:r>
+              <a:rPr lang="en-US" altLang="ko-KR"/>
+              <a:t>Network Type</a:t>
+            </a:r>
+            <a:endParaRPr lang="ko-KR" altLang="en-US"/>
+          </a:p>
+        </p:txBody>
+      </p:sp>
+      <p:sp>
+        <p:nvSpPr>
+          <p:cNvPr id="60" name="사각형: 둥근 모서리 59">
+            <a:extLst>
+              <a:ext uri="{FF2B5EF4-FFF2-40B4-BE49-F238E27FC236}">
+                <a16:creationId xmlns:a16="http://schemas.microsoft.com/office/drawing/2014/main" id="{46820E35-7710-49B8-ACE2-DBC3072899CA}"/>
+              </a:ext>
+            </a:extLst>
+          </p:cNvPr>
+          <p:cNvSpPr/>
+          <p:nvPr/>
+        </p:nvSpPr>
+        <p:spPr>
+          <a:xfrm>
+            <a:off x="2555777" y="4216044"/>
+            <a:ext cx="4045074" cy="421181"/>
+          </a:xfrm>
+          <a:prstGeom prst="roundRect">
+            <a:avLst>
+              <a:gd name="adj" fmla="val 0"/>
+            </a:avLst>
+          </a:prstGeom>
+        </p:spPr>
+        <p:style>
+          <a:lnRef idx="2">
+            <a:schemeClr val="dk1"/>
+          </a:lnRef>
+          <a:fillRef idx="1">
+            <a:schemeClr val="lt1"/>
+          </a:fillRef>
+          <a:effectRef idx="0">
+            <a:schemeClr val="dk1"/>
+          </a:effectRef>
+          <a:fontRef idx="minor">
+            <a:schemeClr val="dk1"/>
+          </a:fontRef>
+        </p:style>
+        <p:txBody>
+          <a:bodyPr rtlCol="0" anchor="ctr"/>
+          <a:lstStyle/>
+          <a:p>
+            <a:pPr algn="ctr"/>
+            <a:r>
+              <a:rPr lang="en-US" altLang="ko-KR" sz="1200"/>
+              <a:t>Device Driver</a:t>
+            </a:r>
+          </a:p>
+          <a:p>
+            <a:pPr algn="ctr"/>
+            <a:r>
+              <a:rPr lang="en-US" altLang="ko-KR" sz="1200" b="1"/>
+              <a:t>BPF_PROG_TYPE_XDP (Native XDP, eBPF)</a:t>
+            </a:r>
+            <a:endParaRPr lang="en-US" altLang="ko-KR" sz="1100" b="1"/>
+          </a:p>
+        </p:txBody>
+      </p:sp>
+      <p:sp>
+        <p:nvSpPr>
+          <p:cNvPr id="68" name="사각형: 둥근 모서리 67">
+            <a:extLst>
+              <a:ext uri="{FF2B5EF4-FFF2-40B4-BE49-F238E27FC236}">
+                <a16:creationId xmlns:a16="http://schemas.microsoft.com/office/drawing/2014/main" id="{0CCE84A5-B9E1-4FCA-A7F5-14E006C8BA92}"/>
+              </a:ext>
+            </a:extLst>
+          </p:cNvPr>
+          <p:cNvSpPr/>
+          <p:nvPr/>
+        </p:nvSpPr>
+        <p:spPr>
+          <a:xfrm>
+            <a:off x="2555777" y="2953124"/>
+            <a:ext cx="4045074" cy="310790"/>
+          </a:xfrm>
+          <a:prstGeom prst="roundRect">
+            <a:avLst>
+              <a:gd name="adj" fmla="val 0"/>
+            </a:avLst>
+          </a:prstGeom>
+        </p:spPr>
+        <p:style>
+          <a:lnRef idx="2">
+            <a:schemeClr val="dk1"/>
+          </a:lnRef>
+          <a:fillRef idx="1">
+            <a:schemeClr val="lt1"/>
+          </a:fillRef>
+          <a:effectRef idx="0">
+            <a:schemeClr val="dk1"/>
+          </a:effectRef>
+          <a:fontRef idx="minor">
+            <a:schemeClr val="dk1"/>
+          </a:fontRef>
+        </p:style>
+        <p:txBody>
+          <a:bodyPr rtlCol="0" anchor="ctr"/>
+          <a:lstStyle/>
+          <a:p>
+            <a:pPr algn="ctr"/>
+            <a:r>
+              <a:rPr lang="en-US" altLang="ko-KR" sz="1200"/>
+              <a:t>Netfilter</a:t>
+            </a:r>
+            <a:endParaRPr lang="ko-KR" altLang="en-US" sz="1200"/>
+          </a:p>
+        </p:txBody>
+      </p:sp>
+      <p:sp>
+        <p:nvSpPr>
+          <p:cNvPr id="69" name="사각형: 둥근 모서리 68">
+            <a:extLst>
+              <a:ext uri="{FF2B5EF4-FFF2-40B4-BE49-F238E27FC236}">
+                <a16:creationId xmlns:a16="http://schemas.microsoft.com/office/drawing/2014/main" id="{39A049EA-21D3-4DC4-845B-2E646ACB0077}"/>
+              </a:ext>
+            </a:extLst>
+          </p:cNvPr>
+          <p:cNvSpPr/>
+          <p:nvPr/>
+        </p:nvSpPr>
+        <p:spPr>
+          <a:xfrm>
+            <a:off x="2555777" y="3256935"/>
+            <a:ext cx="4045074" cy="648319"/>
+          </a:xfrm>
+          <a:prstGeom prst="roundRect">
+            <a:avLst>
+              <a:gd name="adj" fmla="val 0"/>
+            </a:avLst>
+          </a:prstGeom>
+        </p:spPr>
+        <p:style>
+          <a:lnRef idx="2">
+            <a:schemeClr val="dk1"/>
+          </a:lnRef>
+          <a:fillRef idx="1">
+            <a:schemeClr val="lt1"/>
+          </a:fillRef>
+          <a:effectRef idx="0">
+            <a:schemeClr val="dk1"/>
+          </a:effectRef>
+          <a:fontRef idx="minor">
+            <a:schemeClr val="dk1"/>
+          </a:fontRef>
+        </p:style>
+        <p:txBody>
+          <a:bodyPr rtlCol="0" anchor="ctr"/>
+          <a:lstStyle/>
+          <a:p>
+            <a:pPr algn="ctr"/>
+            <a:r>
+              <a:rPr lang="en-US" altLang="ko-KR" sz="1200"/>
+              <a:t>TC (Traffic Control)</a:t>
+            </a:r>
+            <a:endParaRPr lang="en-US" altLang="ko-KR" sz="1200" b="1"/>
+          </a:p>
+          <a:p>
+            <a:pPr algn="ctr"/>
+            <a:r>
+              <a:rPr lang="en-US" altLang="ko-KR" sz="1200" b="1"/>
+              <a:t>BPF_PROG_TYPE_SCHED_CLS (cBPF, eBPF)</a:t>
+            </a:r>
+          </a:p>
+          <a:p>
+            <a:pPr algn="ctr"/>
+            <a:r>
+              <a:rPr lang="en-US" altLang="ko-KR" sz="1200" b="1"/>
+              <a:t>BPF_PROG_TYPE_SCHED_ACT (cBPF, eBPF)</a:t>
+            </a:r>
+          </a:p>
+        </p:txBody>
+      </p:sp>
+      <p:sp>
+        <p:nvSpPr>
+          <p:cNvPr id="73" name="사각형: 둥근 모서리 72">
+            <a:extLst>
+              <a:ext uri="{FF2B5EF4-FFF2-40B4-BE49-F238E27FC236}">
+                <a16:creationId xmlns:a16="http://schemas.microsoft.com/office/drawing/2014/main" id="{A6123B42-F901-4578-9220-855D1680F818}"/>
+              </a:ext>
+            </a:extLst>
+          </p:cNvPr>
+          <p:cNvSpPr/>
+          <p:nvPr/>
+        </p:nvSpPr>
+        <p:spPr>
+          <a:xfrm>
+            <a:off x="2555776" y="554519"/>
+            <a:ext cx="4045074" cy="1370679"/>
+          </a:xfrm>
+          <a:prstGeom prst="roundRect">
+            <a:avLst>
+              <a:gd name="adj" fmla="val 0"/>
+            </a:avLst>
+          </a:prstGeom>
+        </p:spPr>
+        <p:style>
+          <a:lnRef idx="2">
+            <a:schemeClr val="dk1"/>
+          </a:lnRef>
+          <a:fillRef idx="1">
+            <a:schemeClr val="lt1"/>
+          </a:fillRef>
+          <a:effectRef idx="0">
+            <a:schemeClr val="dk1"/>
+          </a:effectRef>
+          <a:fontRef idx="minor">
+            <a:schemeClr val="dk1"/>
+          </a:fontRef>
+        </p:style>
+        <p:txBody>
+          <a:bodyPr rtlCol="0" anchor="ctr"/>
+          <a:lstStyle/>
+          <a:p>
+            <a:pPr algn="ctr"/>
+            <a:r>
+              <a:rPr lang="en-US" altLang="ko-KR" sz="1200"/>
+              <a:t>Socket</a:t>
+            </a:r>
+          </a:p>
+          <a:p>
+            <a:pPr algn="ctr"/>
+            <a:r>
+              <a:rPr lang="en-US" altLang="ko-KR" sz="1200" b="1"/>
+              <a:t>BPF_PROG_TYPE_SOCKET_FILTER (cBPF, eBPF)</a:t>
+            </a:r>
+          </a:p>
+          <a:p>
+            <a:pPr algn="ctr"/>
+            <a:r>
+              <a:rPr lang="da-DK" altLang="ko-KR" sz="1200" b="1"/>
+              <a:t>BPF_PROG_TYPE_SOCK_OPS (eBPF)</a:t>
+            </a:r>
+          </a:p>
+          <a:p>
+            <a:pPr algn="ctr"/>
+            <a:r>
+              <a:rPr lang="da-DK" altLang="ko-KR" sz="1200" b="1"/>
+              <a:t>BPF_PROG_TYPE_SK_SKB (eBPF)</a:t>
+            </a:r>
+          </a:p>
+          <a:p>
+            <a:pPr algn="ctr"/>
+            <a:r>
+              <a:rPr lang="da-DK" altLang="ko-KR" sz="1200" b="1"/>
+              <a:t>BPF_PROG_TYPE_SK_MSG (eBPF)</a:t>
+            </a:r>
+          </a:p>
+          <a:p>
+            <a:pPr algn="ctr"/>
+            <a:r>
+              <a:rPr lang="da-DK" altLang="ko-KR" sz="1200" b="1"/>
+              <a:t>BPF_PROG_TYPE_SK_REUSEPORT (eBPF)</a:t>
+            </a:r>
+          </a:p>
+          <a:p>
+            <a:pPr algn="ctr"/>
+            <a:r>
+              <a:rPr lang="da-DK" altLang="ko-KR" sz="1200" b="1"/>
+              <a:t>BPF_PROG_TYPE_SK_LOOKUP (eBPF)</a:t>
+            </a:r>
+          </a:p>
+        </p:txBody>
+      </p:sp>
+      <p:sp>
+        <p:nvSpPr>
+          <p:cNvPr id="75" name="사각형: 둥근 모서리 74">
+            <a:extLst>
+              <a:ext uri="{FF2B5EF4-FFF2-40B4-BE49-F238E27FC236}">
+                <a16:creationId xmlns:a16="http://schemas.microsoft.com/office/drawing/2014/main" id="{FC50A881-8856-4345-B35B-B630E744E42A}"/>
+              </a:ext>
+            </a:extLst>
+          </p:cNvPr>
+          <p:cNvSpPr/>
+          <p:nvPr/>
+        </p:nvSpPr>
+        <p:spPr>
+          <a:xfrm>
+            <a:off x="2555776" y="244358"/>
+            <a:ext cx="4045074" cy="310790"/>
+          </a:xfrm>
+          <a:prstGeom prst="roundRect">
+            <a:avLst>
+              <a:gd name="adj" fmla="val 0"/>
+            </a:avLst>
+          </a:prstGeom>
+        </p:spPr>
+        <p:style>
+          <a:lnRef idx="2">
+            <a:schemeClr val="dk1"/>
+          </a:lnRef>
+          <a:fillRef idx="1">
+            <a:schemeClr val="lt1"/>
+          </a:fillRef>
+          <a:effectRef idx="0">
+            <a:schemeClr val="dk1"/>
+          </a:effectRef>
+          <a:fontRef idx="minor">
+            <a:schemeClr val="dk1"/>
+          </a:fontRef>
+        </p:style>
+        <p:txBody>
+          <a:bodyPr rtlCol="0" anchor="ctr"/>
+          <a:lstStyle/>
+          <a:p>
+            <a:pPr algn="ctr"/>
+            <a:r>
+              <a:rPr lang="en-US" altLang="ko-KR" sz="1200"/>
+              <a:t>Application</a:t>
+            </a:r>
+            <a:endParaRPr lang="ko-KR" altLang="en-US" sz="1200"/>
+          </a:p>
+        </p:txBody>
+      </p:sp>
+      <p:sp>
+        <p:nvSpPr>
+          <p:cNvPr id="10" name="사각형: 둥근 모서리 9">
+            <a:extLst>
+              <a:ext uri="{FF2B5EF4-FFF2-40B4-BE49-F238E27FC236}">
+                <a16:creationId xmlns:a16="http://schemas.microsoft.com/office/drawing/2014/main" id="{0BB6EB18-D3BD-4313-87BF-55A0EAC2FEDF}"/>
+              </a:ext>
+            </a:extLst>
+          </p:cNvPr>
+          <p:cNvSpPr/>
+          <p:nvPr/>
+        </p:nvSpPr>
+        <p:spPr>
+          <a:xfrm>
+            <a:off x="2555777" y="4637224"/>
+            <a:ext cx="4045074" cy="310790"/>
+          </a:xfrm>
+          <a:prstGeom prst="roundRect">
+            <a:avLst>
+              <a:gd name="adj" fmla="val 0"/>
+            </a:avLst>
+          </a:prstGeom>
+        </p:spPr>
+        <p:style>
+          <a:lnRef idx="2">
+            <a:schemeClr val="dk1"/>
+          </a:lnRef>
+          <a:fillRef idx="1">
+            <a:schemeClr val="lt1"/>
+          </a:fillRef>
+          <a:effectRef idx="0">
+            <a:schemeClr val="dk1"/>
+          </a:effectRef>
+          <a:fontRef idx="minor">
+            <a:schemeClr val="dk1"/>
+          </a:fontRef>
+        </p:style>
+        <p:txBody>
+          <a:bodyPr rtlCol="0" anchor="ctr"/>
+          <a:lstStyle/>
+          <a:p>
+            <a:pPr algn="ctr"/>
+            <a:r>
+              <a:rPr lang="en-US" altLang="ko-KR" sz="1200"/>
+              <a:t>Network Device</a:t>
+            </a:r>
+            <a:endParaRPr lang="ko-KR" altLang="en-US" sz="1200"/>
+          </a:p>
+        </p:txBody>
+      </p:sp>
+      <p:sp>
+        <p:nvSpPr>
+          <p:cNvPr id="11" name="사각형: 둥근 모서리 10">
+            <a:extLst>
+              <a:ext uri="{FF2B5EF4-FFF2-40B4-BE49-F238E27FC236}">
+                <a16:creationId xmlns:a16="http://schemas.microsoft.com/office/drawing/2014/main" id="{4C91BF75-682A-4A78-B36D-8F6D4A15993D}"/>
+              </a:ext>
+            </a:extLst>
+          </p:cNvPr>
+          <p:cNvSpPr/>
+          <p:nvPr/>
+        </p:nvSpPr>
+        <p:spPr>
+          <a:xfrm>
+            <a:off x="2555777" y="3905254"/>
+            <a:ext cx="4045074" cy="310790"/>
+          </a:xfrm>
+          <a:prstGeom prst="roundRect">
+            <a:avLst>
+              <a:gd name="adj" fmla="val 0"/>
+            </a:avLst>
+          </a:prstGeom>
+        </p:spPr>
+        <p:style>
+          <a:lnRef idx="2">
+            <a:schemeClr val="dk1"/>
+          </a:lnRef>
+          <a:fillRef idx="1">
+            <a:schemeClr val="lt1"/>
+          </a:fillRef>
+          <a:effectRef idx="0">
+            <a:schemeClr val="dk1"/>
+          </a:effectRef>
+          <a:fontRef idx="minor">
+            <a:schemeClr val="dk1"/>
+          </a:fontRef>
+        </p:style>
+        <p:txBody>
+          <a:bodyPr rtlCol="0" anchor="ctr"/>
+          <a:lstStyle/>
+          <a:p>
+            <a:pPr algn="ctr"/>
+            <a:r>
+              <a:rPr lang="en-US" altLang="ko-KR" sz="1200" b="1"/>
+              <a:t>BPF_PROG_TYPE_XDP (Generic XDP, eBPF)</a:t>
+            </a:r>
+            <a:endParaRPr lang="ko-KR" altLang="en-US" sz="1200" b="1"/>
+          </a:p>
+        </p:txBody>
+      </p:sp>
+      <p:sp>
+        <p:nvSpPr>
+          <p:cNvPr id="12" name="사각형: 둥근 모서리 11">
+            <a:extLst>
+              <a:ext uri="{FF2B5EF4-FFF2-40B4-BE49-F238E27FC236}">
+                <a16:creationId xmlns:a16="http://schemas.microsoft.com/office/drawing/2014/main" id="{81EB8069-B7A3-415A-AAF9-4877B12D48CE}"/>
+              </a:ext>
+            </a:extLst>
+          </p:cNvPr>
+          <p:cNvSpPr/>
+          <p:nvPr/>
+        </p:nvSpPr>
+        <p:spPr>
+          <a:xfrm>
+            <a:off x="2555776" y="1923678"/>
+            <a:ext cx="4045074" cy="1029446"/>
+          </a:xfrm>
+          <a:prstGeom prst="roundRect">
+            <a:avLst>
+              <a:gd name="adj" fmla="val 0"/>
+            </a:avLst>
+          </a:prstGeom>
+        </p:spPr>
+        <p:style>
+          <a:lnRef idx="2">
+            <a:schemeClr val="dk1"/>
+          </a:lnRef>
+          <a:fillRef idx="1">
+            <a:schemeClr val="lt1"/>
+          </a:fillRef>
+          <a:effectRef idx="0">
+            <a:schemeClr val="dk1"/>
+          </a:effectRef>
+          <a:fontRef idx="minor">
+            <a:schemeClr val="dk1"/>
+          </a:fontRef>
+        </p:style>
+        <p:txBody>
+          <a:bodyPr rtlCol="0" anchor="ctr"/>
+          <a:lstStyle/>
+          <a:p>
+            <a:pPr algn="ctr"/>
+            <a:r>
+              <a:rPr lang="da-DK" altLang="ko-KR" sz="1200"/>
+              <a:t>CGROUP</a:t>
+            </a:r>
+          </a:p>
+          <a:p>
+            <a:pPr algn="ctr"/>
+            <a:r>
+              <a:rPr lang="da-DK" altLang="ko-KR" sz="1200" b="1"/>
+              <a:t>BPF_PROG_TYPE_CGROUP_SKB (eBPF)</a:t>
+            </a:r>
+          </a:p>
+          <a:p>
+            <a:pPr algn="ctr"/>
+            <a:r>
+              <a:rPr lang="da-DK" altLang="ko-KR" sz="1200" b="1"/>
+              <a:t>BPF_PROG_TYPE_CGROUP_SOCK (eBPF)</a:t>
+            </a:r>
+          </a:p>
+          <a:p>
+            <a:pPr algn="ctr"/>
+            <a:r>
+              <a:rPr lang="da-DK" altLang="ko-KR" sz="1200" b="1"/>
+              <a:t>BPF_PROG_TYPE_CGROUP_SOCK_ADDR (eBPF)</a:t>
+            </a:r>
+          </a:p>
+          <a:p>
+            <a:pPr algn="ctr"/>
+            <a:r>
+              <a:rPr lang="da-DK" altLang="ko-KR" sz="1200" b="1"/>
+              <a:t>BPF_PROG_TYPE_CGROUP_SOCKOPT (eBPF)</a:t>
+            </a:r>
+          </a:p>
+        </p:txBody>
+      </p:sp>
+    </p:spTree>
+    <p:extLst>
+      <p:ext uri="{BB962C8B-B14F-4D97-AF65-F5344CB8AC3E}">
+        <p14:creationId xmlns:p14="http://schemas.microsoft.com/office/powerpoint/2010/main" val="1997688926"/>
+      </p:ext>
+    </p:extLst>
+  </p:cSld>
+  <p:clrMapOvr>
+    <a:masterClrMapping/>
+  </p:clrMapOvr>
+</p:sld>
+</file>
+
+<file path=ppt/slides/slide4.xml><?xml version="1.0" encoding="utf-8"?>
+<p:sld xmlns:a="http://schemas.openxmlformats.org/drawingml/2006/main" xmlns:r="http://schemas.openxmlformats.org/officeDocument/2006/relationships" xmlns:p="http://schemas.openxmlformats.org/presentationml/2006/main">
+  <p:cSld>
+    <p:spTree>
+      <p:nvGrpSpPr>
+        <p:cNvPr id="1" name=""/>
+        <p:cNvGrpSpPr/>
+        <p:nvPr/>
+      </p:nvGrpSpPr>
+      <p:grpSpPr>
+        <a:xfrm>
+          <a:off x="0" y="0"/>
+          <a:ext cx="0" cy="0"/>
+          <a:chOff x="0" y="0"/>
+          <a:chExt cx="0" cy="0"/>
+        </a:xfrm>
+      </p:grpSpPr>
+      <p:sp>
+        <p:nvSpPr>
+          <p:cNvPr id="6" name="제목 1"/>
+          <p:cNvSpPr>
+            <a:spLocks noGrp="1"/>
+          </p:cNvSpPr>
+          <p:nvPr>
+            <p:ph type="title"/>
+          </p:nvPr>
+        </p:nvSpPr>
+        <p:spPr>
+          <a:xfrm>
+            <a:off x="457200" y="-13692"/>
+            <a:ext cx="8229600" cy="857250"/>
+          </a:xfrm>
+        </p:spPr>
+        <p:txBody>
+          <a:bodyPr>
+            <a:normAutofit/>
+          </a:bodyPr>
+          <a:lstStyle/>
+          <a:p>
+            <a:r>
+              <a:rPr lang="en-US" altLang="ko-KR"/>
+              <a:t>Network Type</a:t>
+            </a:r>
+            <a:endParaRPr lang="ko-KR" altLang="en-US"/>
+          </a:p>
+        </p:txBody>
+      </p:sp>
+      <p:sp>
+        <p:nvSpPr>
+          <p:cNvPr id="60" name="사각형: 둥근 모서리 59">
+            <a:extLst>
+              <a:ext uri="{FF2B5EF4-FFF2-40B4-BE49-F238E27FC236}">
+                <a16:creationId xmlns:a16="http://schemas.microsoft.com/office/drawing/2014/main" id="{46820E35-7710-49B8-ACE2-DBC3072899CA}"/>
+              </a:ext>
+            </a:extLst>
+          </p:cNvPr>
+          <p:cNvSpPr/>
+          <p:nvPr/>
+        </p:nvSpPr>
+        <p:spPr>
+          <a:xfrm>
+            <a:off x="2784428" y="3997693"/>
+            <a:ext cx="3587772" cy="421181"/>
+          </a:xfrm>
+          <a:prstGeom prst="roundRect">
+            <a:avLst>
+              <a:gd name="adj" fmla="val 10950"/>
+            </a:avLst>
+          </a:prstGeom>
+        </p:spPr>
+        <p:style>
+          <a:lnRef idx="2">
+            <a:schemeClr val="dk1"/>
+          </a:lnRef>
+          <a:fillRef idx="1">
+            <a:schemeClr val="lt1"/>
+          </a:fillRef>
+          <a:effectRef idx="0">
+            <a:schemeClr val="dk1"/>
+          </a:effectRef>
+          <a:fontRef idx="minor">
+            <a:schemeClr val="dk1"/>
+          </a:fontRef>
+        </p:style>
+        <p:txBody>
+          <a:bodyPr rtlCol="0" anchor="ctr"/>
+          <a:lstStyle/>
+          <a:p>
+            <a:pPr algn="ctr"/>
+            <a:r>
+              <a:rPr lang="en-US" altLang="ko-KR" sz="1200"/>
+              <a:t>Device Driver</a:t>
+            </a:r>
+          </a:p>
+          <a:p>
+            <a:pPr algn="ctr"/>
+            <a:r>
+              <a:rPr lang="en-US" altLang="ko-KR" sz="1200" b="1"/>
+              <a:t>Native XDP (eBPF)</a:t>
+            </a:r>
+            <a:endParaRPr lang="en-US" altLang="ko-KR" sz="1100" b="1"/>
+          </a:p>
+        </p:txBody>
+      </p:sp>
+      <p:sp>
+        <p:nvSpPr>
+          <p:cNvPr id="68" name="사각형: 둥근 모서리 67">
+            <a:extLst>
+              <a:ext uri="{FF2B5EF4-FFF2-40B4-BE49-F238E27FC236}">
+                <a16:creationId xmlns:a16="http://schemas.microsoft.com/office/drawing/2014/main" id="{0CCE84A5-B9E1-4FCA-A7F5-14E006C8BA92}"/>
+              </a:ext>
+            </a:extLst>
+          </p:cNvPr>
+          <p:cNvSpPr/>
+          <p:nvPr/>
+        </p:nvSpPr>
+        <p:spPr>
+          <a:xfrm>
+            <a:off x="2784428" y="2734608"/>
+            <a:ext cx="3587772" cy="310790"/>
+          </a:xfrm>
+          <a:prstGeom prst="roundRect">
+            <a:avLst/>
+          </a:prstGeom>
+        </p:spPr>
+        <p:style>
+          <a:lnRef idx="2">
+            <a:schemeClr val="dk1"/>
+          </a:lnRef>
+          <a:fillRef idx="1">
+            <a:schemeClr val="lt1"/>
+          </a:fillRef>
+          <a:effectRef idx="0">
+            <a:schemeClr val="dk1"/>
+          </a:effectRef>
+          <a:fontRef idx="minor">
+            <a:schemeClr val="dk1"/>
+          </a:fontRef>
+        </p:style>
+        <p:txBody>
+          <a:bodyPr rtlCol="0" anchor="ctr"/>
+          <a:lstStyle/>
+          <a:p>
+            <a:pPr algn="ctr"/>
+            <a:r>
+              <a:rPr lang="en-US" altLang="ko-KR" sz="1200"/>
+              <a:t>Netfilter</a:t>
+            </a:r>
+            <a:endParaRPr lang="ko-KR" altLang="en-US" sz="1200"/>
+          </a:p>
+        </p:txBody>
+      </p:sp>
+      <p:sp>
+        <p:nvSpPr>
+          <p:cNvPr id="69" name="사각형: 둥근 모서리 68">
+            <a:extLst>
+              <a:ext uri="{FF2B5EF4-FFF2-40B4-BE49-F238E27FC236}">
+                <a16:creationId xmlns:a16="http://schemas.microsoft.com/office/drawing/2014/main" id="{39A049EA-21D3-4DC4-845B-2E646ACB0077}"/>
+              </a:ext>
+            </a:extLst>
+          </p:cNvPr>
+          <p:cNvSpPr/>
+          <p:nvPr/>
+        </p:nvSpPr>
+        <p:spPr>
+          <a:xfrm>
+            <a:off x="2784428" y="3038584"/>
+            <a:ext cx="3587772" cy="648319"/>
+          </a:xfrm>
+          <a:prstGeom prst="roundRect">
+            <a:avLst>
+              <a:gd name="adj" fmla="val 10950"/>
+            </a:avLst>
+          </a:prstGeom>
+        </p:spPr>
+        <p:style>
+          <a:lnRef idx="2">
+            <a:schemeClr val="dk1"/>
+          </a:lnRef>
+          <a:fillRef idx="1">
+            <a:schemeClr val="lt1"/>
+          </a:fillRef>
+          <a:effectRef idx="0">
+            <a:schemeClr val="dk1"/>
+          </a:effectRef>
+          <a:fontRef idx="minor">
+            <a:schemeClr val="dk1"/>
+          </a:fontRef>
+        </p:style>
+        <p:txBody>
+          <a:bodyPr rtlCol="0" anchor="ctr"/>
+          <a:lstStyle/>
+          <a:p>
+            <a:pPr algn="ctr"/>
+            <a:r>
+              <a:rPr lang="en-US" altLang="ko-KR" sz="1200"/>
+              <a:t>TC (Traffic Control)</a:t>
+            </a:r>
+            <a:endParaRPr lang="en-US" altLang="ko-KR" sz="1200" b="1"/>
+          </a:p>
+          <a:p>
+            <a:pPr algn="ctr"/>
+            <a:r>
+              <a:rPr lang="en-US" altLang="ko-KR" sz="1200" b="1"/>
+              <a:t>SCHED_CLS (cBPF, eBPF)</a:t>
+            </a:r>
+          </a:p>
+          <a:p>
+            <a:pPr algn="ctr"/>
+            <a:r>
+              <a:rPr lang="en-US" altLang="ko-KR" sz="1200" b="1"/>
+              <a:t>SCHED_ACT (cBPF, eBPF)</a:t>
+            </a:r>
+          </a:p>
+        </p:txBody>
+      </p:sp>
+      <p:sp>
+        <p:nvSpPr>
+          <p:cNvPr id="73" name="사각형: 둥근 모서리 72">
+            <a:extLst>
+              <a:ext uri="{FF2B5EF4-FFF2-40B4-BE49-F238E27FC236}">
+                <a16:creationId xmlns:a16="http://schemas.microsoft.com/office/drawing/2014/main" id="{A6123B42-F901-4578-9220-855D1680F818}"/>
+              </a:ext>
+            </a:extLst>
+          </p:cNvPr>
+          <p:cNvSpPr/>
+          <p:nvPr/>
+        </p:nvSpPr>
+        <p:spPr>
+          <a:xfrm>
+            <a:off x="2784427" y="1370372"/>
+            <a:ext cx="3587772" cy="1364235"/>
+          </a:xfrm>
+          <a:prstGeom prst="roundRect">
+            <a:avLst>
+              <a:gd name="adj" fmla="val 3889"/>
+            </a:avLst>
+          </a:prstGeom>
+        </p:spPr>
+        <p:style>
+          <a:lnRef idx="2">
+            <a:schemeClr val="dk1"/>
+          </a:lnRef>
+          <a:fillRef idx="1">
+            <a:schemeClr val="lt1"/>
+          </a:fillRef>
+          <a:effectRef idx="0">
+            <a:schemeClr val="dk1"/>
+          </a:effectRef>
+          <a:fontRef idx="minor">
+            <a:schemeClr val="dk1"/>
+          </a:fontRef>
+        </p:style>
+        <p:txBody>
+          <a:bodyPr rtlCol="0" anchor="ctr"/>
+          <a:lstStyle/>
+          <a:p>
+            <a:pPr algn="ctr"/>
+            <a:r>
+              <a:rPr lang="en-US" altLang="ko-KR" sz="1200"/>
+              <a:t>Socket</a:t>
+            </a:r>
+          </a:p>
+          <a:p>
+            <a:pPr algn="ctr"/>
+            <a:r>
+              <a:rPr lang="en-US" altLang="ko-KR" sz="1200" b="1"/>
+              <a:t>SOCKET_FILTER (cBPF, eBPF)</a:t>
+            </a:r>
+          </a:p>
+          <a:p>
+            <a:pPr algn="ctr"/>
+            <a:r>
+              <a:rPr lang="da-DK" altLang="ko-KR" sz="1200" b="1"/>
+              <a:t>SOCK_OPS (eBPF)</a:t>
+            </a:r>
+          </a:p>
+          <a:p>
+            <a:pPr algn="ctr"/>
+            <a:r>
+              <a:rPr lang="da-DK" altLang="ko-KR" sz="1200" b="1"/>
+              <a:t>SK_REUSEPORT (eBPF)</a:t>
+            </a:r>
+          </a:p>
+          <a:p>
+            <a:pPr algn="ctr"/>
+            <a:r>
+              <a:rPr lang="da-DK" altLang="ko-KR" sz="1200" b="1"/>
+              <a:t>CGROUP_SKB (eBPF)</a:t>
+            </a:r>
+          </a:p>
+          <a:p>
+            <a:pPr algn="ctr"/>
+            <a:r>
+              <a:rPr lang="da-DK" altLang="ko-KR" sz="1200" b="1"/>
+              <a:t>CGROUP_SOCK (eBPF)</a:t>
+            </a:r>
+          </a:p>
+          <a:p>
+            <a:pPr algn="ctr"/>
+            <a:r>
+              <a:rPr lang="da-DK" altLang="ko-KR" sz="1200" b="1"/>
+              <a:t>CGROUP_SOCK_ADDR (eBPF)</a:t>
+            </a:r>
+          </a:p>
+        </p:txBody>
+      </p:sp>
+      <p:sp>
+        <p:nvSpPr>
+          <p:cNvPr id="75" name="사각형: 둥근 모서리 74">
+            <a:extLst>
+              <a:ext uri="{FF2B5EF4-FFF2-40B4-BE49-F238E27FC236}">
+                <a16:creationId xmlns:a16="http://schemas.microsoft.com/office/drawing/2014/main" id="{FC50A881-8856-4345-B35B-B630E744E42A}"/>
+              </a:ext>
+            </a:extLst>
+          </p:cNvPr>
+          <p:cNvSpPr/>
+          <p:nvPr/>
+        </p:nvSpPr>
+        <p:spPr>
+          <a:xfrm>
+            <a:off x="2784427" y="1059582"/>
+            <a:ext cx="3587772" cy="310790"/>
+          </a:xfrm>
+          <a:prstGeom prst="roundRect">
+            <a:avLst/>
+          </a:prstGeom>
+        </p:spPr>
+        <p:style>
+          <a:lnRef idx="2">
+            <a:schemeClr val="dk1"/>
+          </a:lnRef>
+          <a:fillRef idx="1">
+            <a:schemeClr val="lt1"/>
+          </a:fillRef>
+          <a:effectRef idx="0">
+            <a:schemeClr val="dk1"/>
+          </a:effectRef>
+          <a:fontRef idx="minor">
+            <a:schemeClr val="dk1"/>
+          </a:fontRef>
+        </p:style>
+        <p:txBody>
+          <a:bodyPr rtlCol="0" anchor="ctr"/>
+          <a:lstStyle/>
+          <a:p>
+            <a:pPr algn="ctr"/>
+            <a:r>
+              <a:rPr lang="en-US" altLang="ko-KR" sz="1200"/>
+              <a:t>Application</a:t>
+            </a:r>
+            <a:endParaRPr lang="ko-KR" altLang="en-US" sz="1200"/>
+          </a:p>
+        </p:txBody>
+      </p:sp>
+      <p:sp>
+        <p:nvSpPr>
+          <p:cNvPr id="10" name="사각형: 둥근 모서리 9">
+            <a:extLst>
+              <a:ext uri="{FF2B5EF4-FFF2-40B4-BE49-F238E27FC236}">
+                <a16:creationId xmlns:a16="http://schemas.microsoft.com/office/drawing/2014/main" id="{0BB6EB18-D3BD-4313-87BF-55A0EAC2FEDF}"/>
+              </a:ext>
+            </a:extLst>
+          </p:cNvPr>
+          <p:cNvSpPr/>
+          <p:nvPr/>
+        </p:nvSpPr>
+        <p:spPr>
+          <a:xfrm>
+            <a:off x="2784428" y="4418873"/>
+            <a:ext cx="3587772" cy="310790"/>
+          </a:xfrm>
+          <a:prstGeom prst="roundRect">
+            <a:avLst/>
+          </a:prstGeom>
+        </p:spPr>
+        <p:style>
+          <a:lnRef idx="2">
+            <a:schemeClr val="dk1"/>
+          </a:lnRef>
+          <a:fillRef idx="1">
+            <a:schemeClr val="lt1"/>
+          </a:fillRef>
+          <a:effectRef idx="0">
+            <a:schemeClr val="dk1"/>
+          </a:effectRef>
+          <a:fontRef idx="minor">
+            <a:schemeClr val="dk1"/>
+          </a:fontRef>
+        </p:style>
+        <p:txBody>
+          <a:bodyPr rtlCol="0" anchor="ctr"/>
+          <a:lstStyle/>
+          <a:p>
+            <a:pPr algn="ctr"/>
+            <a:r>
+              <a:rPr lang="en-US" altLang="ko-KR" sz="1200"/>
+              <a:t>Network Device</a:t>
+            </a:r>
+            <a:endParaRPr lang="ko-KR" altLang="en-US" sz="1200"/>
+          </a:p>
+        </p:txBody>
+      </p:sp>
+      <p:sp>
+        <p:nvSpPr>
+          <p:cNvPr id="11" name="사각형: 둥근 모서리 10">
+            <a:extLst>
+              <a:ext uri="{FF2B5EF4-FFF2-40B4-BE49-F238E27FC236}">
+                <a16:creationId xmlns:a16="http://schemas.microsoft.com/office/drawing/2014/main" id="{4C91BF75-682A-4A78-B36D-8F6D4A15993D}"/>
+              </a:ext>
+            </a:extLst>
+          </p:cNvPr>
+          <p:cNvSpPr/>
+          <p:nvPr/>
+        </p:nvSpPr>
+        <p:spPr>
+          <a:xfrm>
+            <a:off x="2784428" y="3686903"/>
+            <a:ext cx="3587772" cy="310790"/>
+          </a:xfrm>
+          <a:prstGeom prst="roundRect">
+            <a:avLst/>
+          </a:prstGeom>
+        </p:spPr>
+        <p:style>
+          <a:lnRef idx="2">
+            <a:schemeClr val="dk1"/>
+          </a:lnRef>
+          <a:fillRef idx="1">
+            <a:schemeClr val="lt1"/>
+          </a:fillRef>
+          <a:effectRef idx="0">
+            <a:schemeClr val="dk1"/>
+          </a:effectRef>
+          <a:fontRef idx="minor">
+            <a:schemeClr val="dk1"/>
+          </a:fontRef>
+        </p:style>
+        <p:txBody>
+          <a:bodyPr rtlCol="0" anchor="ctr"/>
+          <a:lstStyle/>
+          <a:p>
+            <a:pPr algn="ctr"/>
+            <a:r>
+              <a:rPr lang="en-US" altLang="ko-KR" sz="1200" b="1"/>
+              <a:t>Generic XDP (eBPF)</a:t>
+            </a:r>
+            <a:endParaRPr lang="ko-KR" altLang="en-US" sz="1200" b="1"/>
+          </a:p>
+        </p:txBody>
+      </p:sp>
+    </p:spTree>
+    <p:extLst>
+      <p:ext uri="{BB962C8B-B14F-4D97-AF65-F5344CB8AC3E}">
+        <p14:creationId xmlns:p14="http://schemas.microsoft.com/office/powerpoint/2010/main" val="1662926312"/>
+      </p:ext>
+    </p:extLst>
+  </p:cSld>
+  <p:clrMapOvr>
+    <a:masterClrMapping/>
+  </p:clrMapOvr>
+</p:sld>
+</file>
+
+<file path=ppt/slides/slide5.xml><?xml version="1.0" encoding="utf-8"?>
+<p:sld xmlns:a="http://schemas.openxmlformats.org/drawingml/2006/main" xmlns:r="http://schemas.openxmlformats.org/officeDocument/2006/relationships" xmlns:p="http://schemas.openxmlformats.org/presentationml/2006/main">
+  <p:cSld>
+    <p:spTree>
+      <p:nvGrpSpPr>
+        <p:cNvPr id="1" name=""/>
+        <p:cNvGrpSpPr/>
+        <p:nvPr/>
+      </p:nvGrpSpPr>
+      <p:grpSpPr>
+        <a:xfrm>
+          <a:off x="0" y="0"/>
+          <a:ext cx="0" cy="0"/>
+          <a:chOff x="0" y="0"/>
+          <a:chExt cx="0" cy="0"/>
+        </a:xfrm>
+      </p:grpSpPr>
+      <p:sp>
+        <p:nvSpPr>
+          <p:cNvPr id="6" name="제목 1"/>
+          <p:cNvSpPr>
+            <a:spLocks noGrp="1"/>
+          </p:cNvSpPr>
+          <p:nvPr>
+            <p:ph type="title"/>
+          </p:nvPr>
+        </p:nvSpPr>
+        <p:spPr>
+          <a:xfrm>
             <a:off x="457200" y="-20538"/>
             <a:ext cx="8229600" cy="857250"/>
           </a:xfrm>
@@ -10220,7 +11938,7 @@
 </p:sld>
 </file>
 
-<file path=ppt/slides/slide2.xml><?xml version="1.0" encoding="utf-8"?>
+<file path=ppt/slides/slide6.xml><?xml version="1.0" encoding="utf-8"?>
 <p:sld xmlns:a="http://schemas.openxmlformats.org/drawingml/2006/main" xmlns:r="http://schemas.openxmlformats.org/officeDocument/2006/relationships" xmlns:p="http://schemas.openxmlformats.org/presentationml/2006/main">
   <p:cSld>
     <p:spTree>
@@ -11208,7 +12926,7 @@
 </p:sld>
 </file>
 
-<file path=ppt/slides/slide3.xml><?xml version="1.0" encoding="utf-8"?>
+<file path=ppt/slides/slide7.xml><?xml version="1.0" encoding="utf-8"?>
 <p:sld xmlns:a="http://schemas.openxmlformats.org/drawingml/2006/main" xmlns:r="http://schemas.openxmlformats.org/officeDocument/2006/relationships" xmlns:p="http://schemas.openxmlformats.org/presentationml/2006/main">
   <p:cSld>
     <p:spTree>
@@ -11466,470 +13184,6 @@
     <p:extLst>
       <p:ext uri="{BB962C8B-B14F-4D97-AF65-F5344CB8AC3E}">
         <p14:creationId xmlns:p14="http://schemas.microsoft.com/office/powerpoint/2010/main" val="1235132554"/>
-      </p:ext>
-    </p:extLst>
-  </p:cSld>
-  <p:clrMapOvr>
-    <a:masterClrMapping/>
-  </p:clrMapOvr>
-</p:sld>
-</file>
-
-<file path=ppt/slides/slide4.xml><?xml version="1.0" encoding="utf-8"?>
-<p:sld xmlns:a="http://schemas.openxmlformats.org/drawingml/2006/main" xmlns:r="http://schemas.openxmlformats.org/officeDocument/2006/relationships" xmlns:p="http://schemas.openxmlformats.org/presentationml/2006/main">
-  <p:cSld>
-    <p:spTree>
-      <p:nvGrpSpPr>
-        <p:cNvPr id="1" name=""/>
-        <p:cNvGrpSpPr/>
-        <p:nvPr/>
-      </p:nvGrpSpPr>
-      <p:grpSpPr>
-        <a:xfrm>
-          <a:off x="0" y="0"/>
-          <a:ext cx="0" cy="0"/>
-          <a:chOff x="0" y="0"/>
-          <a:chExt cx="0" cy="0"/>
-        </a:xfrm>
-      </p:grpSpPr>
-      <p:sp>
-        <p:nvSpPr>
-          <p:cNvPr id="6" name="제목 1"/>
-          <p:cNvSpPr>
-            <a:spLocks noGrp="1"/>
-          </p:cNvSpPr>
-          <p:nvPr>
-            <p:ph type="title"/>
-          </p:nvPr>
-        </p:nvSpPr>
-        <p:spPr>
-          <a:xfrm>
-            <a:off x="457200" y="-13692"/>
-            <a:ext cx="8229600" cy="857250"/>
-          </a:xfrm>
-        </p:spPr>
-        <p:txBody>
-          <a:bodyPr>
-            <a:normAutofit/>
-          </a:bodyPr>
-          <a:lstStyle/>
-          <a:p>
-            <a:r>
-              <a:rPr lang="en-US" altLang="ko-KR"/>
-              <a:t>Network Type</a:t>
-            </a:r>
-            <a:endParaRPr lang="ko-KR" altLang="en-US"/>
-          </a:p>
-        </p:txBody>
-      </p:sp>
-      <p:sp>
-        <p:nvSpPr>
-          <p:cNvPr id="60" name="사각형: 둥근 모서리 59">
-            <a:extLst>
-              <a:ext uri="{FF2B5EF4-FFF2-40B4-BE49-F238E27FC236}">
-                <a16:creationId xmlns:a16="http://schemas.microsoft.com/office/drawing/2014/main" id="{46820E35-7710-49B8-ACE2-DBC3072899CA}"/>
-              </a:ext>
-            </a:extLst>
-          </p:cNvPr>
-          <p:cNvSpPr/>
-          <p:nvPr/>
-        </p:nvSpPr>
-        <p:spPr>
-          <a:xfrm>
-            <a:off x="2784428" y="3997693"/>
-            <a:ext cx="3587772" cy="421181"/>
-          </a:xfrm>
-          <a:prstGeom prst="roundRect">
-            <a:avLst>
-              <a:gd name="adj" fmla="val 10950"/>
-            </a:avLst>
-          </a:prstGeom>
-        </p:spPr>
-        <p:style>
-          <a:lnRef idx="2">
-            <a:schemeClr val="dk1"/>
-          </a:lnRef>
-          <a:fillRef idx="1">
-            <a:schemeClr val="lt1"/>
-          </a:fillRef>
-          <a:effectRef idx="0">
-            <a:schemeClr val="dk1"/>
-          </a:effectRef>
-          <a:fontRef idx="minor">
-            <a:schemeClr val="dk1"/>
-          </a:fontRef>
-        </p:style>
-        <p:txBody>
-          <a:bodyPr rtlCol="0" anchor="ctr"/>
-          <a:lstStyle/>
-          <a:p>
-            <a:pPr algn="ctr"/>
-            <a:r>
-              <a:rPr lang="en-US" altLang="ko-KR" sz="1200"/>
-              <a:t>Device Driver</a:t>
-            </a:r>
-          </a:p>
-          <a:p>
-            <a:pPr algn="ctr"/>
-            <a:r>
-              <a:rPr lang="en-US" altLang="ko-KR" sz="1200" b="1"/>
-              <a:t>Native XDP (eBPF)</a:t>
-            </a:r>
-            <a:endParaRPr lang="en-US" altLang="ko-KR" sz="1100" b="1"/>
-          </a:p>
-        </p:txBody>
-      </p:sp>
-      <p:sp>
-        <p:nvSpPr>
-          <p:cNvPr id="68" name="사각형: 둥근 모서리 67">
-            <a:extLst>
-              <a:ext uri="{FF2B5EF4-FFF2-40B4-BE49-F238E27FC236}">
-                <a16:creationId xmlns:a16="http://schemas.microsoft.com/office/drawing/2014/main" id="{0CCE84A5-B9E1-4FCA-A7F5-14E006C8BA92}"/>
-              </a:ext>
-            </a:extLst>
-          </p:cNvPr>
-          <p:cNvSpPr/>
-          <p:nvPr/>
-        </p:nvSpPr>
-        <p:spPr>
-          <a:xfrm>
-            <a:off x="2784428" y="2734608"/>
-            <a:ext cx="3587772" cy="310790"/>
-          </a:xfrm>
-          <a:prstGeom prst="roundRect">
-            <a:avLst/>
-          </a:prstGeom>
-        </p:spPr>
-        <p:style>
-          <a:lnRef idx="2">
-            <a:schemeClr val="dk1"/>
-          </a:lnRef>
-          <a:fillRef idx="1">
-            <a:schemeClr val="lt1"/>
-          </a:fillRef>
-          <a:effectRef idx="0">
-            <a:schemeClr val="dk1"/>
-          </a:effectRef>
-          <a:fontRef idx="minor">
-            <a:schemeClr val="dk1"/>
-          </a:fontRef>
-        </p:style>
-        <p:txBody>
-          <a:bodyPr rtlCol="0" anchor="ctr"/>
-          <a:lstStyle/>
-          <a:p>
-            <a:pPr algn="ctr"/>
-            <a:r>
-              <a:rPr lang="en-US" altLang="ko-KR" sz="1200"/>
-              <a:t>Netfilter</a:t>
-            </a:r>
-            <a:endParaRPr lang="ko-KR" altLang="en-US" sz="1200"/>
-          </a:p>
-        </p:txBody>
-      </p:sp>
-      <p:sp>
-        <p:nvSpPr>
-          <p:cNvPr id="69" name="사각형: 둥근 모서리 68">
-            <a:extLst>
-              <a:ext uri="{FF2B5EF4-FFF2-40B4-BE49-F238E27FC236}">
-                <a16:creationId xmlns:a16="http://schemas.microsoft.com/office/drawing/2014/main" id="{39A049EA-21D3-4DC4-845B-2E646ACB0077}"/>
-              </a:ext>
-            </a:extLst>
-          </p:cNvPr>
-          <p:cNvSpPr/>
-          <p:nvPr/>
-        </p:nvSpPr>
-        <p:spPr>
-          <a:xfrm>
-            <a:off x="2784428" y="3038584"/>
-            <a:ext cx="3587772" cy="648319"/>
-          </a:xfrm>
-          <a:prstGeom prst="roundRect">
-            <a:avLst>
-              <a:gd name="adj" fmla="val 10950"/>
-            </a:avLst>
-          </a:prstGeom>
-        </p:spPr>
-        <p:style>
-          <a:lnRef idx="2">
-            <a:schemeClr val="dk1"/>
-          </a:lnRef>
-          <a:fillRef idx="1">
-            <a:schemeClr val="lt1"/>
-          </a:fillRef>
-          <a:effectRef idx="0">
-            <a:schemeClr val="dk1"/>
-          </a:effectRef>
-          <a:fontRef idx="minor">
-            <a:schemeClr val="dk1"/>
-          </a:fontRef>
-        </p:style>
-        <p:txBody>
-          <a:bodyPr rtlCol="0" anchor="ctr"/>
-          <a:lstStyle/>
-          <a:p>
-            <a:pPr algn="ctr"/>
-            <a:r>
-              <a:rPr lang="en-US" altLang="ko-KR" sz="1200"/>
-              <a:t>TC (Traffic Control)</a:t>
-            </a:r>
-            <a:endParaRPr lang="en-US" altLang="ko-KR" sz="1200" b="1"/>
-          </a:p>
-          <a:p>
-            <a:pPr algn="ctr"/>
-            <a:r>
-              <a:rPr lang="en-US" altLang="ko-KR" sz="1200" b="1"/>
-              <a:t>SCHED_CLS (cBPF, eBPF)</a:t>
-            </a:r>
-          </a:p>
-          <a:p>
-            <a:pPr algn="ctr"/>
-            <a:r>
-              <a:rPr lang="en-US" altLang="ko-KR" sz="1200" b="1"/>
-              <a:t>SCHED_ACT (cBPF, eBPF)</a:t>
-            </a:r>
-          </a:p>
-        </p:txBody>
-      </p:sp>
-      <p:sp>
-        <p:nvSpPr>
-          <p:cNvPr id="73" name="사각형: 둥근 모서리 72">
-            <a:extLst>
-              <a:ext uri="{FF2B5EF4-FFF2-40B4-BE49-F238E27FC236}">
-                <a16:creationId xmlns:a16="http://schemas.microsoft.com/office/drawing/2014/main" id="{A6123B42-F901-4578-9220-855D1680F818}"/>
-              </a:ext>
-            </a:extLst>
-          </p:cNvPr>
-          <p:cNvSpPr/>
-          <p:nvPr/>
-        </p:nvSpPr>
-        <p:spPr>
-          <a:xfrm>
-            <a:off x="2784427" y="1370372"/>
-            <a:ext cx="3587772" cy="1364235"/>
-          </a:xfrm>
-          <a:prstGeom prst="roundRect">
-            <a:avLst>
-              <a:gd name="adj" fmla="val 3889"/>
-            </a:avLst>
-          </a:prstGeom>
-        </p:spPr>
-        <p:style>
-          <a:lnRef idx="2">
-            <a:schemeClr val="dk1"/>
-          </a:lnRef>
-          <a:fillRef idx="1">
-            <a:schemeClr val="lt1"/>
-          </a:fillRef>
-          <a:effectRef idx="0">
-            <a:schemeClr val="dk1"/>
-          </a:effectRef>
-          <a:fontRef idx="minor">
-            <a:schemeClr val="dk1"/>
-          </a:fontRef>
-        </p:style>
-        <p:txBody>
-          <a:bodyPr rtlCol="0" anchor="ctr"/>
-          <a:lstStyle/>
-          <a:p>
-            <a:pPr algn="ctr"/>
-            <a:r>
-              <a:rPr lang="en-US" altLang="ko-KR" sz="1200"/>
-              <a:t>Socket</a:t>
-            </a:r>
-          </a:p>
-          <a:p>
-            <a:pPr algn="ctr"/>
-            <a:r>
-              <a:rPr lang="en-US" altLang="ko-KR" sz="1200" b="1"/>
-              <a:t>SOCKET_FILTER (cBPF, eBPF)</a:t>
-            </a:r>
-          </a:p>
-          <a:p>
-            <a:pPr algn="ctr"/>
-            <a:r>
-              <a:rPr lang="da-DK" altLang="ko-KR" sz="1200" b="1"/>
-              <a:t>SOCK_OPS (eBPF)</a:t>
-            </a:r>
-          </a:p>
-          <a:p>
-            <a:pPr algn="ctr"/>
-            <a:r>
-              <a:rPr lang="da-DK" altLang="ko-KR" sz="1200" b="1"/>
-              <a:t>SK_REUSEPORT (eBPF)</a:t>
-            </a:r>
-          </a:p>
-          <a:p>
-            <a:pPr algn="ctr"/>
-            <a:r>
-              <a:rPr lang="da-DK" altLang="ko-KR" sz="1200" b="1"/>
-              <a:t>CGROUP_SKB (eBPF)</a:t>
-            </a:r>
-          </a:p>
-          <a:p>
-            <a:pPr algn="ctr"/>
-            <a:r>
-              <a:rPr lang="da-DK" altLang="ko-KR" sz="1200" b="1"/>
-              <a:t>CGROUP_SOCK (eBPF)</a:t>
-            </a:r>
-          </a:p>
-          <a:p>
-            <a:pPr algn="ctr"/>
-            <a:r>
-              <a:rPr lang="da-DK" altLang="ko-KR" sz="1200" b="1"/>
-              <a:t>CGROUP_SOCK_ADDR (eBPF)</a:t>
-            </a:r>
-          </a:p>
-        </p:txBody>
-      </p:sp>
-      <p:sp>
-        <p:nvSpPr>
-          <p:cNvPr id="75" name="사각형: 둥근 모서리 74">
-            <a:extLst>
-              <a:ext uri="{FF2B5EF4-FFF2-40B4-BE49-F238E27FC236}">
-                <a16:creationId xmlns:a16="http://schemas.microsoft.com/office/drawing/2014/main" id="{FC50A881-8856-4345-B35B-B630E744E42A}"/>
-              </a:ext>
-            </a:extLst>
-          </p:cNvPr>
-          <p:cNvSpPr/>
-          <p:nvPr/>
-        </p:nvSpPr>
-        <p:spPr>
-          <a:xfrm>
-            <a:off x="2784427" y="1059582"/>
-            <a:ext cx="3587772" cy="310790"/>
-          </a:xfrm>
-          <a:prstGeom prst="roundRect">
-            <a:avLst/>
-          </a:prstGeom>
-        </p:spPr>
-        <p:style>
-          <a:lnRef idx="2">
-            <a:schemeClr val="dk1"/>
-          </a:lnRef>
-          <a:fillRef idx="1">
-            <a:schemeClr val="lt1"/>
-          </a:fillRef>
-          <a:effectRef idx="0">
-            <a:schemeClr val="dk1"/>
-          </a:effectRef>
-          <a:fontRef idx="minor">
-            <a:schemeClr val="dk1"/>
-          </a:fontRef>
-        </p:style>
-        <p:txBody>
-          <a:bodyPr rtlCol="0" anchor="ctr"/>
-          <a:lstStyle/>
-          <a:p>
-            <a:pPr algn="ctr"/>
-            <a:r>
-              <a:rPr lang="en-US" altLang="ko-KR" sz="1200"/>
-              <a:t>Application</a:t>
-            </a:r>
-            <a:endParaRPr lang="ko-KR" altLang="en-US" sz="1200"/>
-          </a:p>
-        </p:txBody>
-      </p:sp>
-      <p:sp>
-        <p:nvSpPr>
-          <p:cNvPr id="10" name="사각형: 둥근 모서리 9">
-            <a:extLst>
-              <a:ext uri="{FF2B5EF4-FFF2-40B4-BE49-F238E27FC236}">
-                <a16:creationId xmlns:a16="http://schemas.microsoft.com/office/drawing/2014/main" id="{0BB6EB18-D3BD-4313-87BF-55A0EAC2FEDF}"/>
-              </a:ext>
-            </a:extLst>
-          </p:cNvPr>
-          <p:cNvSpPr/>
-          <p:nvPr/>
-        </p:nvSpPr>
-        <p:spPr>
-          <a:xfrm>
-            <a:off x="2784428" y="4418873"/>
-            <a:ext cx="3587772" cy="310790"/>
-          </a:xfrm>
-          <a:prstGeom prst="roundRect">
-            <a:avLst/>
-          </a:prstGeom>
-        </p:spPr>
-        <p:style>
-          <a:lnRef idx="2">
-            <a:schemeClr val="dk1"/>
-          </a:lnRef>
-          <a:fillRef idx="1">
-            <a:schemeClr val="lt1"/>
-          </a:fillRef>
-          <a:effectRef idx="0">
-            <a:schemeClr val="dk1"/>
-          </a:effectRef>
-          <a:fontRef idx="minor">
-            <a:schemeClr val="dk1"/>
-          </a:fontRef>
-        </p:style>
-        <p:txBody>
-          <a:bodyPr rtlCol="0" anchor="ctr"/>
-          <a:lstStyle/>
-          <a:p>
-            <a:pPr algn="ctr"/>
-            <a:r>
-              <a:rPr lang="en-US" altLang="ko-KR" sz="1200"/>
-              <a:t>Network Device</a:t>
-            </a:r>
-            <a:endParaRPr lang="ko-KR" altLang="en-US" sz="1200"/>
-          </a:p>
-        </p:txBody>
-      </p:sp>
-      <p:sp>
-        <p:nvSpPr>
-          <p:cNvPr id="11" name="사각형: 둥근 모서리 10">
-            <a:extLst>
-              <a:ext uri="{FF2B5EF4-FFF2-40B4-BE49-F238E27FC236}">
-                <a16:creationId xmlns:a16="http://schemas.microsoft.com/office/drawing/2014/main" id="{4C91BF75-682A-4A78-B36D-8F6D4A15993D}"/>
-              </a:ext>
-            </a:extLst>
-          </p:cNvPr>
-          <p:cNvSpPr/>
-          <p:nvPr/>
-        </p:nvSpPr>
-        <p:spPr>
-          <a:xfrm>
-            <a:off x="2784428" y="3686903"/>
-            <a:ext cx="3587772" cy="310790"/>
-          </a:xfrm>
-          <a:prstGeom prst="roundRect">
-            <a:avLst/>
-          </a:prstGeom>
-        </p:spPr>
-        <p:style>
-          <a:lnRef idx="2">
-            <a:schemeClr val="dk1"/>
-          </a:lnRef>
-          <a:fillRef idx="1">
-            <a:schemeClr val="lt1"/>
-          </a:fillRef>
-          <a:effectRef idx="0">
-            <a:schemeClr val="dk1"/>
-          </a:effectRef>
-          <a:fontRef idx="minor">
-            <a:schemeClr val="dk1"/>
-          </a:fontRef>
-        </p:style>
-        <p:txBody>
-          <a:bodyPr rtlCol="0" anchor="ctr"/>
-          <a:lstStyle/>
-          <a:p>
-            <a:pPr algn="ctr"/>
-            <a:r>
-              <a:rPr lang="en-US" altLang="ko-KR" sz="1200" b="1"/>
-              <a:t>Generic XDP (eBPF)</a:t>
-            </a:r>
-            <a:endParaRPr lang="ko-KR" altLang="en-US" sz="1200" b="1"/>
-          </a:p>
-        </p:txBody>
-      </p:sp>
-    </p:spTree>
-    <p:extLst>
-      <p:ext uri="{BB962C8B-B14F-4D97-AF65-F5344CB8AC3E}">
-        <p14:creationId xmlns:p14="http://schemas.microsoft.com/office/powerpoint/2010/main" val="1662926312"/>
       </p:ext>
     </p:extLst>
   </p:cSld>
